--- a/Slides/Classes and Inheritance-Part2.pptx
+++ b/Slides/Classes and Inheritance-Part2.pptx
@@ -2,27 +2,27 @@
 <file path=ppt/presentation.xml><?xml version="1.0" encoding="utf-8"?>
 <p:presentation xmlns:a="http://schemas.openxmlformats.org/drawingml/2006/main" xmlns:r="http://schemas.openxmlformats.org/officeDocument/2006/relationships" xmlns:p="http://schemas.openxmlformats.org/presentationml/2006/main" saveSubsetFonts="1">
   <p:sldMasterIdLst>
-    <p:sldMasterId id="2147483648" r:id="rId1"/>
-    <p:sldMasterId id="2147483655" r:id="rId2"/>
+    <p:sldMasterId id="2147483648" r:id="rId4"/>
+    <p:sldMasterId id="2147483655" r:id="rId5"/>
   </p:sldMasterIdLst>
   <p:sldIdLst>
-    <p:sldId id="257" r:id="rId3"/>
-    <p:sldId id="259" r:id="rId4"/>
-    <p:sldId id="260" r:id="rId5"/>
-    <p:sldId id="281" r:id="rId6"/>
-    <p:sldId id="301" r:id="rId7"/>
-    <p:sldId id="283" r:id="rId8"/>
-    <p:sldId id="284" r:id="rId9"/>
-    <p:sldId id="302" r:id="rId10"/>
-    <p:sldId id="303" r:id="rId11"/>
-    <p:sldId id="304" r:id="rId12"/>
-    <p:sldId id="307" r:id="rId13"/>
-    <p:sldId id="308" r:id="rId14"/>
-    <p:sldId id="309" r:id="rId15"/>
-    <p:sldId id="310" r:id="rId16"/>
-    <p:sldId id="311" r:id="rId17"/>
-    <p:sldId id="312" r:id="rId18"/>
-    <p:sldId id="305" r:id="rId19"/>
+    <p:sldId id="257" r:id="rId6"/>
+    <p:sldId id="259" r:id="rId7"/>
+    <p:sldId id="260" r:id="rId8"/>
+    <p:sldId id="281" r:id="rId9"/>
+    <p:sldId id="301" r:id="rId10"/>
+    <p:sldId id="283" r:id="rId11"/>
+    <p:sldId id="284" r:id="rId12"/>
+    <p:sldId id="302" r:id="rId13"/>
+    <p:sldId id="303" r:id="rId14"/>
+    <p:sldId id="304" r:id="rId15"/>
+    <p:sldId id="307" r:id="rId16"/>
+    <p:sldId id="308" r:id="rId17"/>
+    <p:sldId id="309" r:id="rId18"/>
+    <p:sldId id="310" r:id="rId19"/>
+    <p:sldId id="311" r:id="rId20"/>
+    <p:sldId id="312" r:id="rId21"/>
+    <p:sldId id="305" r:id="rId22"/>
   </p:sldIdLst>
   <p:sldSz cx="12192000" cy="6858000"/>
   <p:notesSz cx="6858000" cy="9144000"/>
@@ -1701,7 +1701,7 @@
           <a:p>
             <a:fld id="{ED91F7BC-4EE8-4BE8-83BD-6BC18A44C18F}" type="datetime1">
               <a:rPr lang="en-US" smtClean="0"/>
-              <a:t>4/20/2022</a:t>
+              <a:t>2/15/2024</a:t>
             </a:fld>
             <a:endParaRPr lang="en-US"/>
           </a:p>
@@ -1976,7 +1976,7 @@
           <a:p>
             <a:fld id="{C6A64A8A-5553-4B5A-BA82-79A3CFB4C514}" type="datetime1">
               <a:rPr lang="en-US" smtClean="0"/>
-              <a:t>4/20/2022</a:t>
+              <a:t>2/15/2024</a:t>
             </a:fld>
             <a:endParaRPr lang="en-US"/>
           </a:p>
@@ -2388,7 +2388,7 @@
           <a:p>
             <a:fld id="{3A66F3F0-B990-42C4-8FD6-A986484F93AC}" type="datetime1">
               <a:rPr lang="en-US" smtClean="0"/>
-              <a:t>4/20/2022</a:t>
+              <a:t>2/15/2024</a:t>
             </a:fld>
             <a:endParaRPr lang="en-US"/>
           </a:p>
@@ -2608,7 +2608,7 @@
           <a:p>
             <a:fld id="{DB6DC919-1A95-4B08-8FAC-C4C2435242BE}" type="datetime1">
               <a:rPr lang="en-US" smtClean="0"/>
-              <a:t>4/20/2022</a:t>
+              <a:t>2/15/2024</a:t>
             </a:fld>
             <a:endParaRPr lang="en-US"/>
           </a:p>
@@ -2806,7 +2806,7 @@
           <a:p>
             <a:fld id="{8E310E6B-8E86-42BE-9995-91541EE0382B}" type="datetime1">
               <a:rPr lang="en-US" smtClean="0"/>
-              <a:t>4/20/2022</a:t>
+              <a:t>2/15/2024</a:t>
             </a:fld>
             <a:endParaRPr lang="en-US"/>
           </a:p>
@@ -2947,7 +2947,7 @@
           <a:p>
             <a:fld id="{A91B859B-2DE2-4C0C-B29D-F2597A0B4AA0}" type="datetime1">
               <a:rPr lang="en-US" smtClean="0"/>
-              <a:t>4/20/2022</a:t>
+              <a:t>2/15/2024</a:t>
             </a:fld>
             <a:endParaRPr lang="en-US"/>
           </a:p>
@@ -3196,7 +3196,7 @@
           <a:p>
             <a:fld id="{AD3B0D3E-F848-4C85-8467-D0760F9C3E64}" type="datetime1">
               <a:rPr lang="en-US" smtClean="0"/>
-              <a:t>4/20/2022</a:t>
+              <a:t>2/15/2024</a:t>
             </a:fld>
             <a:endParaRPr lang="en-US"/>
           </a:p>
@@ -3766,7 +3766,7 @@
           <a:p>
             <a:fld id="{0D5D762F-A307-4386-9F31-7529B9CDF39B}" type="datetime1">
               <a:rPr lang="en-US" smtClean="0"/>
-              <a:t>4/20/2022</a:t>
+              <a:t>2/15/2024</a:t>
             </a:fld>
             <a:endParaRPr lang="en-US"/>
           </a:p>
@@ -13271,7 +13271,7 @@
         <p:spPr>
           <a:xfrm>
             <a:off x="7692391" y="4634884"/>
-            <a:ext cx="3937634" cy="954107"/>
+            <a:ext cx="3937634" cy="523220"/>
           </a:xfrm>
           <a:prstGeom prst="rect">
             <a:avLst/>
@@ -13332,27 +13332,7 @@
                 <a:latin typeface="TH Sarabun New" panose="020B0500040200020003" pitchFamily="34" charset="-34"/>
                 <a:cs typeface="TH Sarabun New" panose="020B0500040200020003" pitchFamily="34" charset="-34"/>
               </a:rPr>
-              <a:t>Derived Class (</a:t>
-            </a:r>
-            <a:r>
-              <a:rPr lang="th-TH" sz="2800" b="1" dirty="0">
-                <a:solidFill>
-                  <a:srgbClr val="3366FF"/>
-                </a:solidFill>
-                <a:latin typeface="TH Sarabun New" panose="020B0500040200020003" pitchFamily="34" charset="-34"/>
-                <a:cs typeface="TH Sarabun New" panose="020B0500040200020003" pitchFamily="34" charset="-34"/>
-              </a:rPr>
-              <a:t>ลำดับสุดท้าย</a:t>
-            </a:r>
-            <a:r>
-              <a:rPr lang="en-US" sz="2800" b="1" dirty="0">
-                <a:solidFill>
-                  <a:srgbClr val="3366FF"/>
-                </a:solidFill>
-                <a:latin typeface="TH Sarabun New" panose="020B0500040200020003" pitchFamily="34" charset="-34"/>
-                <a:cs typeface="TH Sarabun New" panose="020B0500040200020003" pitchFamily="34" charset="-34"/>
-              </a:rPr>
-              <a:t>)</a:t>
+              <a:t>Derived Class</a:t>
             </a:r>
           </a:p>
         </p:txBody>
@@ -17148,6 +17128,21 @@
 </file>
 
 <file path=customXml/item1.xml><?xml version="1.0" encoding="utf-8"?>
+<p:properties xmlns:p="http://schemas.microsoft.com/office/2006/metadata/properties" xmlns:xsi="http://www.w3.org/2001/XMLSchema-instance" xmlns:pc="http://schemas.microsoft.com/office/infopath/2007/PartnerControls">
+  <documentManagement/>
+</p:properties>
+</file>
+
+<file path=customXml/item2.xml><?xml version="1.0" encoding="utf-8"?>
+<?mso-contentType ?>
+<FormTemplates xmlns="http://schemas.microsoft.com/sharepoint/v3/contenttype/forms">
+  <Display>DocumentLibraryForm</Display>
+  <Edit>DocumentLibraryForm</Edit>
+  <New>DocumentLibraryForm</New>
+</FormTemplates>
+</file>
+
+<file path=customXml/item3.xml><?xml version="1.0" encoding="utf-8"?>
 <ct:contentTypeSchema xmlns:ct="http://schemas.microsoft.com/office/2006/metadata/contentType" xmlns:ma="http://schemas.microsoft.com/office/2006/metadata/properties/metaAttributes" ct:_="" ma:_="" ma:contentTypeName="Document" ma:contentTypeID="0x01010046AB80A3737EC242A6743D40C2A602F8" ma:contentTypeVersion="3" ma:contentTypeDescription="Create a new document." ma:contentTypeScope="" ma:versionID="6d235cdded959b07f7673da65ae1f5bf">
   <xsd:schema xmlns:xsd="http://www.w3.org/2001/XMLSchema" xmlns:xs="http://www.w3.org/2001/XMLSchema" xmlns:p="http://schemas.microsoft.com/office/2006/metadata/properties" xmlns:ns2="9c861e8e-0047-4445-9467-b3712011d2a2" targetNamespace="http://schemas.microsoft.com/office/2006/metadata/properties" ma:root="true" ma:fieldsID="a4a8a0b4722c688bcf96caacd8621b92" ns2:_="">
     <xsd:import namespace="9c861e8e-0047-4445-9467-b3712011d2a2"/>
@@ -17285,29 +17280,37 @@
 </ct:contentTypeSchema>
 </file>
 
-<file path=customXml/item2.xml><?xml version="1.0" encoding="utf-8"?>
-<?mso-contentType ?>
-<FormTemplates xmlns="http://schemas.microsoft.com/sharepoint/v3/contenttype/forms">
-  <Display>DocumentLibraryForm</Display>
-  <Edit>DocumentLibraryForm</Edit>
-  <New>DocumentLibraryForm</New>
-</FormTemplates>
-</file>
-
-<file path=customXml/item3.xml><?xml version="1.0" encoding="utf-8"?>
-<p:properties xmlns:p="http://schemas.microsoft.com/office/2006/metadata/properties" xmlns:xsi="http://www.w3.org/2001/XMLSchema-instance" xmlns:pc="http://schemas.microsoft.com/office/infopath/2007/PartnerControls">
-  <documentManagement/>
-</p:properties>
-</file>
-
 <file path=customXml/itemProps1.xml><?xml version="1.0" encoding="utf-8"?>
-<ds:datastoreItem xmlns:ds="http://schemas.openxmlformats.org/officeDocument/2006/customXml" ds:itemID="{A1899C10-1859-4E00-838C-5084DAE81F87}"/>
+<ds:datastoreItem xmlns:ds="http://schemas.openxmlformats.org/officeDocument/2006/customXml" ds:itemID="{1F345AA4-360E-417B-A64C-4E8D7B17BE8E}">
+  <ds:schemaRefs>
+    <ds:schemaRef ds:uri="http://schemas.microsoft.com/office/2006/metadata/properties"/>
+    <ds:schemaRef ds:uri="http://schemas.microsoft.com/office/infopath/2007/PartnerControls"/>
+  </ds:schemaRefs>
+</ds:datastoreItem>
 </file>
 
 <file path=customXml/itemProps2.xml><?xml version="1.0" encoding="utf-8"?>
-<ds:datastoreItem xmlns:ds="http://schemas.openxmlformats.org/officeDocument/2006/customXml" ds:itemID="{B3C829EA-DDBA-4EC7-94D8-59B5BFFFC3DF}"/>
+<ds:datastoreItem xmlns:ds="http://schemas.openxmlformats.org/officeDocument/2006/customXml" ds:itemID="{B3C829EA-DDBA-4EC7-94D8-59B5BFFFC3DF}">
+  <ds:schemaRefs>
+    <ds:schemaRef ds:uri="http://schemas.microsoft.com/sharepoint/v3/contenttype/forms"/>
+  </ds:schemaRefs>
+</ds:datastoreItem>
 </file>
 
 <file path=customXml/itemProps3.xml><?xml version="1.0" encoding="utf-8"?>
-<ds:datastoreItem xmlns:ds="http://schemas.openxmlformats.org/officeDocument/2006/customXml" ds:itemID="{1F345AA4-360E-417B-A64C-4E8D7B17BE8E}"/>
+<ds:datastoreItem xmlns:ds="http://schemas.openxmlformats.org/officeDocument/2006/customXml" ds:itemID="{A1899C10-1859-4E00-838C-5084DAE81F87}">
+  <ds:schemaRefs>
+    <ds:schemaRef ds:uri="http://schemas.microsoft.com/office/2006/metadata/contentType"/>
+    <ds:schemaRef ds:uri="http://schemas.microsoft.com/office/2006/metadata/properties/metaAttributes"/>
+    <ds:schemaRef ds:uri="http://www.w3.org/2001/XMLSchema"/>
+    <ds:schemaRef ds:uri="http://schemas.microsoft.com/office/2006/metadata/properties"/>
+    <ds:schemaRef ds:uri="9c861e8e-0047-4445-9467-b3712011d2a2"/>
+    <ds:schemaRef ds:uri="http://schemas.microsoft.com/office/2006/documentManagement/types"/>
+    <ds:schemaRef ds:uri="http://schemas.microsoft.com/office/infopath/2007/PartnerControls"/>
+    <ds:schemaRef ds:uri="http://schemas.openxmlformats.org/package/2006/metadata/core-properties"/>
+    <ds:schemaRef ds:uri="http://purl.org/dc/elements/1.1/"/>
+    <ds:schemaRef ds:uri="http://purl.org/dc/terms/"/>
+    <ds:schemaRef ds:uri="http://schemas.microsoft.com/internal/obd"/>
+  </ds:schemaRefs>
+</ds:datastoreItem>
 </file>